--- a/Capstone Project - Network Intrusion Detection.pptx
+++ b/Capstone Project - Network Intrusion Detection.pptx
@@ -9785,9 +9785,43 @@
                 </a:solidFill>
                 <a:ea typeface="+mn-lt"/>
                 <a:cs typeface="+mn-lt"/>
-              </a:rPr>
-              <a:t>List and cite relevant sources, research papers, and articles that were instrumental in developing the proposed solution. This could include academic papers on bike demand prediction, machine learning algorithms, and best practices in data preprocessing and model evaluation.</a:t>
-            </a:r>
+                <a:hlinkClick r:id="rId2"/>
+              </a:rPr>
+              <a:t>https://github.com/shyamilyh/Edunet-Capstone-Project--Network-Intrusion-Detection-System</a:t>
+            </a:r>
+            <a:endParaRPr lang="en-IN" sz="2400" dirty="0">
+              <a:solidFill>
+                <a:srgbClr val="0F0F0F"/>
+              </a:solidFill>
+              <a:ea typeface="+mn-lt"/>
+              <a:cs typeface="+mn-lt"/>
+            </a:endParaRPr>
+          </a:p>
+          <a:p>
+            <a:pPr marL="305435" indent="-305435"/>
+            <a:r>
+              <a:rPr lang="en-IN" sz="2400" dirty="0">
+                <a:solidFill>
+                  <a:srgbClr val="0F0F0F"/>
+                </a:solidFill>
+                <a:ea typeface="+mn-lt"/>
+                <a:cs typeface="+mn-lt"/>
+              </a:rPr>
+              <a:t>https://www.kaggle.com/datasets/sampadab17/network-intrusion-detection?select=Train_data.csv</a:t>
+            </a:r>
+          </a:p>
+          <a:p>
+            <a:pPr marL="305435" indent="-305435"/>
+            <a:endParaRPr lang="en-IN" sz="2400" dirty="0">
+              <a:solidFill>
+                <a:srgbClr val="0F0F0F"/>
+              </a:solidFill>
+              <a:ea typeface="+mn-lt"/>
+              <a:cs typeface="+mn-lt"/>
+            </a:endParaRPr>
+          </a:p>
+          <a:p>
+            <a:pPr marL="305435" indent="-305435"/>
             <a:endParaRPr lang="en-IN" sz="2400" dirty="0"/>
           </a:p>
         </p:txBody>
@@ -13321,12 +13355,12 @@
 </file>
 
 <file path=customXml/item1.xml><?xml version="1.0" encoding="utf-8"?>
-<?mso-contentType ?>
-<FormTemplates xmlns="http://schemas.microsoft.com/sharepoint/v3/contenttype/forms">
-  <Display>DocumentLibraryForm</Display>
-  <Edit>DocumentLibraryForm</Edit>
-  <New>DocumentLibraryForm</New>
-</FormTemplates>
+<p:properties xmlns:p="http://schemas.microsoft.com/office/2006/metadata/properties" xmlns:xsi="http://www.w3.org/2001/XMLSchema-instance" xmlns:pc="http://schemas.microsoft.com/office/infopath/2007/PartnerControls">
+  <documentManagement>
+    <MediaServiceKeyPoints xmlns="9162bd5b-4ed9-4da3-b376-05204580ba3f" xsi:nil="true"/>
+    <_activity xmlns="9162bd5b-4ed9-4da3-b376-05204580ba3f" xsi:nil="true"/>
+  </documentManagement>
+</p:properties>
 </file>
 
 <file path=customXml/item2.xml><?xml version="1.0" encoding="utf-8"?>
@@ -13577,18 +13611,27 @@
 </file>
 
 <file path=customXml/item3.xml><?xml version="1.0" encoding="utf-8"?>
-<p:properties xmlns:p="http://schemas.microsoft.com/office/2006/metadata/properties" xmlns:xsi="http://www.w3.org/2001/XMLSchema-instance" xmlns:pc="http://schemas.microsoft.com/office/infopath/2007/PartnerControls">
-  <documentManagement>
-    <MediaServiceKeyPoints xmlns="9162bd5b-4ed9-4da3-b376-05204580ba3f" xsi:nil="true"/>
-    <_activity xmlns="9162bd5b-4ed9-4da3-b376-05204580ba3f" xsi:nil="true"/>
-  </documentManagement>
-</p:properties>
+<?mso-contentType ?>
+<FormTemplates xmlns="http://schemas.microsoft.com/sharepoint/v3/contenttype/forms">
+  <Display>DocumentLibraryForm</Display>
+  <Edit>DocumentLibraryForm</Edit>
+  <New>DocumentLibraryForm</New>
+</FormTemplates>
 </file>
 
 <file path=customXml/itemProps1.xml><?xml version="1.0" encoding="utf-8"?>
-<ds:datastoreItem xmlns:ds="http://schemas.openxmlformats.org/officeDocument/2006/customXml" ds:itemID="{927BD4C1-B6B1-4715-ABF9-E660A51A4EA0}">
+<ds:datastoreItem xmlns:ds="http://schemas.openxmlformats.org/officeDocument/2006/customXml" ds:itemID="{8D289AE2-D2AE-49D1-AFAC-3A79F6794255}">
   <ds:schemaRefs>
-    <ds:schemaRef ds:uri="http://schemas.microsoft.com/sharepoint/v3/contenttype/forms"/>
+    <ds:schemaRef ds:uri="9162bd5b-4ed9-4da3-b376-05204580ba3f"/>
+    <ds:schemaRef ds:uri="c0fa2617-96bd-425d-8578-e93563fe37c5"/>
+    <ds:schemaRef ds:uri="http://purl.org/dc/dcmitype/"/>
+    <ds:schemaRef ds:uri="http://purl.org/dc/elements/1.1/"/>
+    <ds:schemaRef ds:uri="http://purl.org/dc/terms/"/>
+    <ds:schemaRef ds:uri="http://schemas.microsoft.com/office/2006/documentManagement/types"/>
+    <ds:schemaRef ds:uri="http://schemas.microsoft.com/office/2006/metadata/properties"/>
+    <ds:schemaRef ds:uri="http://schemas.microsoft.com/office/infopath/2007/PartnerControls"/>
+    <ds:schemaRef ds:uri="http://schemas.openxmlformats.org/package/2006/metadata/core-properties"/>
+    <ds:schemaRef ds:uri="http://www.w3.org/XML/1998/namespace"/>
   </ds:schemaRefs>
 </ds:datastoreItem>
 </file>
@@ -13613,18 +13656,9 @@
 </file>
 
 <file path=customXml/itemProps3.xml><?xml version="1.0" encoding="utf-8"?>
-<ds:datastoreItem xmlns:ds="http://schemas.openxmlformats.org/officeDocument/2006/customXml" ds:itemID="{8D289AE2-D2AE-49D1-AFAC-3A79F6794255}">
+<ds:datastoreItem xmlns:ds="http://schemas.openxmlformats.org/officeDocument/2006/customXml" ds:itemID="{927BD4C1-B6B1-4715-ABF9-E660A51A4EA0}">
   <ds:schemaRefs>
-    <ds:schemaRef ds:uri="9162bd5b-4ed9-4da3-b376-05204580ba3f"/>
-    <ds:schemaRef ds:uri="c0fa2617-96bd-425d-8578-e93563fe37c5"/>
-    <ds:schemaRef ds:uri="http://purl.org/dc/dcmitype/"/>
-    <ds:schemaRef ds:uri="http://purl.org/dc/elements/1.1/"/>
-    <ds:schemaRef ds:uri="http://purl.org/dc/terms/"/>
-    <ds:schemaRef ds:uri="http://schemas.microsoft.com/office/2006/documentManagement/types"/>
-    <ds:schemaRef ds:uri="http://schemas.microsoft.com/office/2006/metadata/properties"/>
-    <ds:schemaRef ds:uri="http://schemas.microsoft.com/office/infopath/2007/PartnerControls"/>
-    <ds:schemaRef ds:uri="http://schemas.openxmlformats.org/package/2006/metadata/core-properties"/>
-    <ds:schemaRef ds:uri="http://www.w3.org/XML/1998/namespace"/>
+    <ds:schemaRef ds:uri="http://schemas.microsoft.com/sharepoint/v3/contenttype/forms"/>
   </ds:schemaRefs>
 </ds:datastoreItem>
 </file>